--- a/CS221_2019_Spring/scheduling/p4_2.pptx
+++ b/CS221_2019_Spring/scheduling/p4_2.pptx
@@ -261,7 +261,7 @@
           <a:p>
             <a:fld id="{650F42EA-4B50-4899-9FC1-28213D175B0D}" type="datetimeFigureOut">
               <a:rPr lang="zh-CN" altLang="en-US" smtClean="0"/>
-              <a:t>2019/5/15</a:t>
+              <a:t>2019/5/18</a:t>
             </a:fld>
             <a:endParaRPr lang="zh-CN" altLang="en-US"/>
           </a:p>
@@ -461,7 +461,7 @@
           <a:p>
             <a:fld id="{650F42EA-4B50-4899-9FC1-28213D175B0D}" type="datetimeFigureOut">
               <a:rPr lang="zh-CN" altLang="en-US" smtClean="0"/>
-              <a:t>2019/5/15</a:t>
+              <a:t>2019/5/18</a:t>
             </a:fld>
             <a:endParaRPr lang="zh-CN" altLang="en-US"/>
           </a:p>
@@ -671,7 +671,7 @@
           <a:p>
             <a:fld id="{650F42EA-4B50-4899-9FC1-28213D175B0D}" type="datetimeFigureOut">
               <a:rPr lang="zh-CN" altLang="en-US" smtClean="0"/>
-              <a:t>2019/5/15</a:t>
+              <a:t>2019/5/18</a:t>
             </a:fld>
             <a:endParaRPr lang="zh-CN" altLang="en-US"/>
           </a:p>
@@ -871,7 +871,7 @@
           <a:p>
             <a:fld id="{650F42EA-4B50-4899-9FC1-28213D175B0D}" type="datetimeFigureOut">
               <a:rPr lang="zh-CN" altLang="en-US" smtClean="0"/>
-              <a:t>2019/5/15</a:t>
+              <a:t>2019/5/18</a:t>
             </a:fld>
             <a:endParaRPr lang="zh-CN" altLang="en-US"/>
           </a:p>
@@ -1147,7 +1147,7 @@
           <a:p>
             <a:fld id="{650F42EA-4B50-4899-9FC1-28213D175B0D}" type="datetimeFigureOut">
               <a:rPr lang="zh-CN" altLang="en-US" smtClean="0"/>
-              <a:t>2019/5/15</a:t>
+              <a:t>2019/5/18</a:t>
             </a:fld>
             <a:endParaRPr lang="zh-CN" altLang="en-US"/>
           </a:p>
@@ -1415,7 +1415,7 @@
           <a:p>
             <a:fld id="{650F42EA-4B50-4899-9FC1-28213D175B0D}" type="datetimeFigureOut">
               <a:rPr lang="zh-CN" altLang="en-US" smtClean="0"/>
-              <a:t>2019/5/15</a:t>
+              <a:t>2019/5/18</a:t>
             </a:fld>
             <a:endParaRPr lang="zh-CN" altLang="en-US"/>
           </a:p>
@@ -1830,7 +1830,7 @@
           <a:p>
             <a:fld id="{650F42EA-4B50-4899-9FC1-28213D175B0D}" type="datetimeFigureOut">
               <a:rPr lang="zh-CN" altLang="en-US" smtClean="0"/>
-              <a:t>2019/5/15</a:t>
+              <a:t>2019/5/18</a:t>
             </a:fld>
             <a:endParaRPr lang="zh-CN" altLang="en-US"/>
           </a:p>
@@ -1972,7 +1972,7 @@
           <a:p>
             <a:fld id="{650F42EA-4B50-4899-9FC1-28213D175B0D}" type="datetimeFigureOut">
               <a:rPr lang="zh-CN" altLang="en-US" smtClean="0"/>
-              <a:t>2019/5/15</a:t>
+              <a:t>2019/5/18</a:t>
             </a:fld>
             <a:endParaRPr lang="zh-CN" altLang="en-US"/>
           </a:p>
@@ -2085,7 +2085,7 @@
           <a:p>
             <a:fld id="{650F42EA-4B50-4899-9FC1-28213D175B0D}" type="datetimeFigureOut">
               <a:rPr lang="zh-CN" altLang="en-US" smtClean="0"/>
-              <a:t>2019/5/15</a:t>
+              <a:t>2019/5/18</a:t>
             </a:fld>
             <a:endParaRPr lang="zh-CN" altLang="en-US"/>
           </a:p>
@@ -2398,7 +2398,7 @@
           <a:p>
             <a:fld id="{650F42EA-4B50-4899-9FC1-28213D175B0D}" type="datetimeFigureOut">
               <a:rPr lang="zh-CN" altLang="en-US" smtClean="0"/>
-              <a:t>2019/5/15</a:t>
+              <a:t>2019/5/18</a:t>
             </a:fld>
             <a:endParaRPr lang="zh-CN" altLang="en-US"/>
           </a:p>
@@ -2687,7 +2687,7 @@
           <a:p>
             <a:fld id="{650F42EA-4B50-4899-9FC1-28213D175B0D}" type="datetimeFigureOut">
               <a:rPr lang="zh-CN" altLang="en-US" smtClean="0"/>
-              <a:t>2019/5/15</a:t>
+              <a:t>2019/5/18</a:t>
             </a:fld>
             <a:endParaRPr lang="zh-CN" altLang="en-US"/>
           </a:p>
@@ -2930,7 +2930,7 @@
           <a:p>
             <a:fld id="{650F42EA-4B50-4899-9FC1-28213D175B0D}" type="datetimeFigureOut">
               <a:rPr lang="zh-CN" altLang="en-US" smtClean="0"/>
-              <a:t>2019/5/15</a:t>
+              <a:t>2019/5/18</a:t>
             </a:fld>
             <a:endParaRPr lang="zh-CN" altLang="en-US"/>
           </a:p>
@@ -3349,10 +3349,10 @@
       </p:grpSpPr>
       <p:sp>
         <p:nvSpPr>
-          <p:cNvPr id="4" name="Oval 3">
-            <a:extLst>
-              <a:ext uri="{FF2B5EF4-FFF2-40B4-BE49-F238E27FC236}">
-                <a16:creationId xmlns:a16="http://schemas.microsoft.com/office/drawing/2014/main" id="{D14EE44A-3E96-4550-9A37-073BF1BABC0E}"/>
+          <p:cNvPr id="3" name="Oval 2">
+            <a:extLst>
+              <a:ext uri="{FF2B5EF4-FFF2-40B4-BE49-F238E27FC236}">
+                <a16:creationId xmlns:a16="http://schemas.microsoft.com/office/drawing/2014/main" id="{040372C6-97BE-4404-BFBF-E79975D539BC}"/>
               </a:ext>
             </a:extLst>
           </p:cNvPr>
@@ -3361,12 +3361,13 @@
         </p:nvSpPr>
         <p:spPr>
           <a:xfrm>
-            <a:off x="2353586" y="2934031"/>
-            <a:ext cx="508884" cy="494969"/>
+            <a:off x="6657035" y="1364104"/>
+            <a:ext cx="662471" cy="654860"/>
           </a:xfrm>
           <a:prstGeom prst="ellipse">
             <a:avLst/>
           </a:prstGeom>
+          <a:noFill/>
         </p:spPr>
         <p:style>
           <a:lnRef idx="2">
@@ -3390,19 +3391,27 @@
           <a:p>
             <a:pPr algn="ctr"/>
             <a:r>
-              <a:rPr lang="en-US" altLang="zh-CN" sz="1000" dirty="0"/>
-              <a:t>x1</a:t>
-            </a:r>
-            <a:endParaRPr lang="zh-CN" altLang="en-US" sz="1000" dirty="0"/>
-          </a:p>
-        </p:txBody>
-      </p:sp>
-      <p:sp>
-        <p:nvSpPr>
-          <p:cNvPr id="5" name="Oval 4">
-            <a:extLst>
-              <a:ext uri="{FF2B5EF4-FFF2-40B4-BE49-F238E27FC236}">
-                <a16:creationId xmlns:a16="http://schemas.microsoft.com/office/drawing/2014/main" id="{832123C1-DACF-48C2-8F34-EF1196C699FA}"/>
+              <a:rPr lang="en-US" altLang="zh-CN" dirty="0">
+                <a:solidFill>
+                  <a:schemeClr val="tx1"/>
+                </a:solidFill>
+              </a:rPr>
+              <a:t>C1</a:t>
+            </a:r>
+            <a:endParaRPr lang="zh-CN" altLang="en-US" dirty="0">
+              <a:solidFill>
+                <a:schemeClr val="tx1"/>
+              </a:solidFill>
+            </a:endParaRPr>
+          </a:p>
+        </p:txBody>
+      </p:sp>
+      <p:sp>
+        <p:nvSpPr>
+          <p:cNvPr id="23" name="Oval 22">
+            <a:extLst>
+              <a:ext uri="{FF2B5EF4-FFF2-40B4-BE49-F238E27FC236}">
+                <a16:creationId xmlns:a16="http://schemas.microsoft.com/office/drawing/2014/main" id="{C9175077-3AE5-4E33-B8A5-AB22CBDF6160}"/>
               </a:ext>
             </a:extLst>
           </p:cNvPr>
@@ -3411,12 +3420,13 @@
         </p:nvSpPr>
         <p:spPr>
           <a:xfrm>
-            <a:off x="3269311" y="2934031"/>
-            <a:ext cx="508884" cy="494969"/>
+            <a:off x="8081506" y="1364104"/>
+            <a:ext cx="662471" cy="654860"/>
           </a:xfrm>
           <a:prstGeom prst="ellipse">
             <a:avLst/>
           </a:prstGeom>
+          <a:noFill/>
         </p:spPr>
         <p:style>
           <a:lnRef idx="2">
@@ -3440,19 +3450,27 @@
           <a:p>
             <a:pPr algn="ctr"/>
             <a:r>
-              <a:rPr lang="en-US" altLang="zh-CN" sz="1000" dirty="0"/>
-              <a:t>x2</a:t>
-            </a:r>
-            <a:endParaRPr lang="zh-CN" altLang="en-US" sz="1000" dirty="0"/>
-          </a:p>
-        </p:txBody>
-      </p:sp>
-      <p:sp>
-        <p:nvSpPr>
-          <p:cNvPr id="6" name="Oval 5">
-            <a:extLst>
-              <a:ext uri="{FF2B5EF4-FFF2-40B4-BE49-F238E27FC236}">
-                <a16:creationId xmlns:a16="http://schemas.microsoft.com/office/drawing/2014/main" id="{A6A30B13-1A30-4985-B562-84AE9937EF9A}"/>
+              <a:rPr lang="en-US" altLang="zh-CN" dirty="0">
+                <a:solidFill>
+                  <a:schemeClr val="tx1"/>
+                </a:solidFill>
+              </a:rPr>
+              <a:t>C2</a:t>
+            </a:r>
+            <a:endParaRPr lang="zh-CN" altLang="en-US" dirty="0">
+              <a:solidFill>
+                <a:schemeClr val="tx1"/>
+              </a:solidFill>
+            </a:endParaRPr>
+          </a:p>
+        </p:txBody>
+      </p:sp>
+      <p:sp>
+        <p:nvSpPr>
+          <p:cNvPr id="24" name="Oval 23">
+            <a:extLst>
+              <a:ext uri="{FF2B5EF4-FFF2-40B4-BE49-F238E27FC236}">
+                <a16:creationId xmlns:a16="http://schemas.microsoft.com/office/drawing/2014/main" id="{A95B34C4-3AA5-45DF-93B4-C35F52325421}"/>
               </a:ext>
             </a:extLst>
           </p:cNvPr>
@@ -3461,12 +3479,13 @@
         </p:nvSpPr>
         <p:spPr>
           <a:xfrm>
-            <a:off x="4185036" y="2934031"/>
-            <a:ext cx="508884" cy="494969"/>
+            <a:off x="9505977" y="1364104"/>
+            <a:ext cx="662471" cy="654860"/>
           </a:xfrm>
           <a:prstGeom prst="ellipse">
             <a:avLst/>
           </a:prstGeom>
+          <a:noFill/>
         </p:spPr>
         <p:style>
           <a:lnRef idx="2">
@@ -3490,19 +3509,27 @@
           <a:p>
             <a:pPr algn="ctr"/>
             <a:r>
-              <a:rPr lang="en-US" altLang="zh-CN" sz="1000" dirty="0"/>
-              <a:t>x3</a:t>
-            </a:r>
-            <a:endParaRPr lang="zh-CN" altLang="en-US" sz="1000" dirty="0"/>
-          </a:p>
-        </p:txBody>
-      </p:sp>
-      <p:sp>
-        <p:nvSpPr>
-          <p:cNvPr id="7" name="Oval 6">
-            <a:extLst>
-              <a:ext uri="{FF2B5EF4-FFF2-40B4-BE49-F238E27FC236}">
-                <a16:creationId xmlns:a16="http://schemas.microsoft.com/office/drawing/2014/main" id="{443E9136-4283-4F1C-8118-093159476C63}"/>
+              <a:rPr lang="en-US" altLang="zh-CN" dirty="0">
+                <a:solidFill>
+                  <a:schemeClr val="tx1"/>
+                </a:solidFill>
+              </a:rPr>
+              <a:t>C3</a:t>
+            </a:r>
+            <a:endParaRPr lang="zh-CN" altLang="en-US" dirty="0">
+              <a:solidFill>
+                <a:schemeClr val="tx1"/>
+              </a:solidFill>
+            </a:endParaRPr>
+          </a:p>
+        </p:txBody>
+      </p:sp>
+      <p:sp>
+        <p:nvSpPr>
+          <p:cNvPr id="25" name="Oval 24">
+            <a:extLst>
+              <a:ext uri="{FF2B5EF4-FFF2-40B4-BE49-F238E27FC236}">
+                <a16:creationId xmlns:a16="http://schemas.microsoft.com/office/drawing/2014/main" id="{D4203B75-BC49-43F5-8857-6E177AA3E7F5}"/>
               </a:ext>
             </a:extLst>
           </p:cNvPr>
@@ -3511,12 +3538,13 @@
         </p:nvSpPr>
         <p:spPr>
           <a:xfrm>
-            <a:off x="5100761" y="2912165"/>
-            <a:ext cx="508884" cy="494969"/>
+            <a:off x="9505977" y="2708691"/>
+            <a:ext cx="662471" cy="654860"/>
           </a:xfrm>
           <a:prstGeom prst="ellipse">
             <a:avLst/>
           </a:prstGeom>
+          <a:noFill/>
         </p:spPr>
         <p:style>
           <a:lnRef idx="2">
@@ -3540,72 +3568,42 @@
           <a:p>
             <a:pPr algn="ctr"/>
             <a:r>
-              <a:rPr lang="en-US" altLang="zh-CN" sz="1000" dirty="0"/>
-              <a:t>x4</a:t>
-            </a:r>
-            <a:endParaRPr lang="zh-CN" altLang="en-US" sz="1000" dirty="0"/>
-          </a:p>
-        </p:txBody>
-      </p:sp>
-      <p:cxnSp>
-        <p:nvCxnSpPr>
-          <p:cNvPr id="9" name="Straight Connector 8">
-            <a:extLst>
-              <a:ext uri="{FF2B5EF4-FFF2-40B4-BE49-F238E27FC236}">
-                <a16:creationId xmlns:a16="http://schemas.microsoft.com/office/drawing/2014/main" id="{05EB7717-C76D-44C9-9CA4-2833F31FA7A7}"/>
-              </a:ext>
-            </a:extLst>
-          </p:cNvPr>
-          <p:cNvCxnSpPr>
-            <a:stCxn id="4" idx="6"/>
-            <a:endCxn id="5" idx="2"/>
-          </p:cNvCxnSpPr>
+              <a:rPr lang="en-US" altLang="zh-CN" dirty="0">
+                <a:solidFill>
+                  <a:schemeClr val="tx1"/>
+                </a:solidFill>
+              </a:rPr>
+              <a:t>D3</a:t>
+            </a:r>
+            <a:endParaRPr lang="zh-CN" altLang="en-US" dirty="0">
+              <a:solidFill>
+                <a:schemeClr val="tx1"/>
+              </a:solidFill>
+            </a:endParaRPr>
+          </a:p>
+        </p:txBody>
+      </p:sp>
+      <p:sp>
+        <p:nvSpPr>
+          <p:cNvPr id="28" name="Oval 27">
+            <a:extLst>
+              <a:ext uri="{FF2B5EF4-FFF2-40B4-BE49-F238E27FC236}">
+                <a16:creationId xmlns:a16="http://schemas.microsoft.com/office/drawing/2014/main" id="{AB7AF8A2-BC35-4534-A568-584BD6748E50}"/>
+              </a:ext>
+            </a:extLst>
+          </p:cNvPr>
+          <p:cNvSpPr/>
           <p:nvPr/>
-        </p:nvCxnSpPr>
-        <p:spPr>
-          <a:xfrm>
-            <a:off x="2862470" y="3181516"/>
-            <a:ext cx="406841" cy="0"/>
-          </a:xfrm>
-          <a:prstGeom prst="line">
+        </p:nvSpPr>
+        <p:spPr>
+          <a:xfrm>
+            <a:off x="8081506" y="2708691"/>
+            <a:ext cx="662471" cy="654860"/>
+          </a:xfrm>
+          <a:prstGeom prst="ellipse">
             <a:avLst/>
           </a:prstGeom>
-        </p:spPr>
-        <p:style>
-          <a:lnRef idx="1">
-            <a:schemeClr val="accent1"/>
-          </a:lnRef>
-          <a:fillRef idx="0">
-            <a:schemeClr val="accent1"/>
-          </a:fillRef>
-          <a:effectRef idx="0">
-            <a:schemeClr val="accent1"/>
-          </a:effectRef>
-          <a:fontRef idx="minor">
-            <a:schemeClr val="tx1"/>
-          </a:fontRef>
-        </p:style>
-      </p:cxnSp>
-      <p:sp>
-        <p:nvSpPr>
-          <p:cNvPr id="10" name="Rectangle 9">
-            <a:extLst>
-              <a:ext uri="{FF2B5EF4-FFF2-40B4-BE49-F238E27FC236}">
-                <a16:creationId xmlns:a16="http://schemas.microsoft.com/office/drawing/2014/main" id="{5D59F90E-57F3-4F22-89B6-36F0F3D88AD9}"/>
-              </a:ext>
-            </a:extLst>
-          </p:cNvPr>
-          <p:cNvSpPr/>
-          <p:nvPr/>
-        </p:nvSpPr>
-        <p:spPr>
-          <a:xfrm>
-            <a:off x="3005593" y="3159649"/>
-            <a:ext cx="103367" cy="68581"/>
-          </a:xfrm>
-          <a:prstGeom prst="rect">
-            <a:avLst/>
-          </a:prstGeom>
+          <a:noFill/>
         </p:spPr>
         <p:style>
           <a:lnRef idx="2">
@@ -3628,66 +3626,43 @@
           <a:lstStyle/>
           <a:p>
             <a:pPr algn="ctr"/>
-            <a:endParaRPr lang="zh-CN" altLang="en-US"/>
-          </a:p>
-        </p:txBody>
-      </p:sp>
-      <p:cxnSp>
-        <p:nvCxnSpPr>
-          <p:cNvPr id="11" name="Straight Connector 10">
-            <a:extLst>
-              <a:ext uri="{FF2B5EF4-FFF2-40B4-BE49-F238E27FC236}">
-                <a16:creationId xmlns:a16="http://schemas.microsoft.com/office/drawing/2014/main" id="{E59F5EE0-9E2E-4A96-832B-880F3E616747}"/>
-              </a:ext>
-            </a:extLst>
-          </p:cNvPr>
-          <p:cNvCxnSpPr/>
+            <a:r>
+              <a:rPr lang="en-US" altLang="zh-CN" dirty="0">
+                <a:solidFill>
+                  <a:schemeClr val="tx1"/>
+                </a:solidFill>
+              </a:rPr>
+              <a:t>D2</a:t>
+            </a:r>
+            <a:endParaRPr lang="zh-CN" altLang="en-US" dirty="0">
+              <a:solidFill>
+                <a:schemeClr val="tx1"/>
+              </a:solidFill>
+            </a:endParaRPr>
+          </a:p>
+        </p:txBody>
+      </p:sp>
+      <p:sp>
+        <p:nvSpPr>
+          <p:cNvPr id="33" name="Oval 32">
+            <a:extLst>
+              <a:ext uri="{FF2B5EF4-FFF2-40B4-BE49-F238E27FC236}">
+                <a16:creationId xmlns:a16="http://schemas.microsoft.com/office/drawing/2014/main" id="{628F245F-B4CA-43B6-9A39-C0289F21F026}"/>
+              </a:ext>
+            </a:extLst>
+          </p:cNvPr>
+          <p:cNvSpPr/>
           <p:nvPr/>
-        </p:nvCxnSpPr>
-        <p:spPr>
-          <a:xfrm>
-            <a:off x="3786809" y="3181516"/>
-            <a:ext cx="406841" cy="0"/>
-          </a:xfrm>
-          <a:prstGeom prst="line">
+        </p:nvSpPr>
+        <p:spPr>
+          <a:xfrm>
+            <a:off x="6657035" y="2708691"/>
+            <a:ext cx="662471" cy="654860"/>
+          </a:xfrm>
+          <a:prstGeom prst="ellipse">
             <a:avLst/>
           </a:prstGeom>
-        </p:spPr>
-        <p:style>
-          <a:lnRef idx="1">
-            <a:schemeClr val="accent1"/>
-          </a:lnRef>
-          <a:fillRef idx="0">
-            <a:schemeClr val="accent1"/>
-          </a:fillRef>
-          <a:effectRef idx="0">
-            <a:schemeClr val="accent1"/>
-          </a:effectRef>
-          <a:fontRef idx="minor">
-            <a:schemeClr val="tx1"/>
-          </a:fontRef>
-        </p:style>
-      </p:cxnSp>
-      <p:sp>
-        <p:nvSpPr>
-          <p:cNvPr id="12" name="Rectangle 11">
-            <a:extLst>
-              <a:ext uri="{FF2B5EF4-FFF2-40B4-BE49-F238E27FC236}">
-                <a16:creationId xmlns:a16="http://schemas.microsoft.com/office/drawing/2014/main" id="{6EE47E3E-6E72-4439-BB16-0979A694D69B}"/>
-              </a:ext>
-            </a:extLst>
-          </p:cNvPr>
-          <p:cNvSpPr/>
-          <p:nvPr/>
-        </p:nvSpPr>
-        <p:spPr>
-          <a:xfrm>
-            <a:off x="3929932" y="3159649"/>
-            <a:ext cx="103367" cy="68581"/>
-          </a:xfrm>
-          <a:prstGeom prst="rect">
-            <a:avLst/>
-          </a:prstGeom>
+          <a:noFill/>
         </p:spPr>
         <p:style>
           <a:lnRef idx="2">
@@ -3710,52 +3685,28 @@
           <a:lstStyle/>
           <a:p>
             <a:pPr algn="ctr"/>
-            <a:endParaRPr lang="zh-CN" altLang="en-US"/>
-          </a:p>
-        </p:txBody>
-      </p:sp>
-      <p:cxnSp>
-        <p:nvCxnSpPr>
-          <p:cNvPr id="15" name="Straight Connector 14">
-            <a:extLst>
-              <a:ext uri="{FF2B5EF4-FFF2-40B4-BE49-F238E27FC236}">
-                <a16:creationId xmlns:a16="http://schemas.microsoft.com/office/drawing/2014/main" id="{5235E2A6-F1D7-4A5B-A007-CC5B4670665E}"/>
-              </a:ext>
-            </a:extLst>
-          </p:cNvPr>
-          <p:cNvCxnSpPr/>
-          <p:nvPr/>
-        </p:nvCxnSpPr>
-        <p:spPr>
-          <a:xfrm>
-            <a:off x="4702534" y="3169092"/>
-            <a:ext cx="406841" cy="0"/>
-          </a:xfrm>
-          <a:prstGeom prst="line">
-            <a:avLst/>
-          </a:prstGeom>
-        </p:spPr>
-        <p:style>
-          <a:lnRef idx="1">
-            <a:schemeClr val="accent1"/>
-          </a:lnRef>
-          <a:fillRef idx="0">
-            <a:schemeClr val="accent1"/>
-          </a:fillRef>
-          <a:effectRef idx="0">
-            <a:schemeClr val="accent1"/>
-          </a:effectRef>
-          <a:fontRef idx="minor">
-            <a:schemeClr val="tx1"/>
-          </a:fontRef>
-        </p:style>
-      </p:cxnSp>
-      <p:sp>
-        <p:nvSpPr>
-          <p:cNvPr id="16" name="Rectangle 15">
-            <a:extLst>
-              <a:ext uri="{FF2B5EF4-FFF2-40B4-BE49-F238E27FC236}">
-                <a16:creationId xmlns:a16="http://schemas.microsoft.com/office/drawing/2014/main" id="{E67BDDE2-DDE8-4481-AB7F-2320CC996125}"/>
+            <a:r>
+              <a:rPr lang="en-US" altLang="zh-CN" dirty="0">
+                <a:solidFill>
+                  <a:schemeClr val="tx1"/>
+                </a:solidFill>
+              </a:rPr>
+              <a:t>D1</a:t>
+            </a:r>
+            <a:endParaRPr lang="zh-CN" altLang="en-US" dirty="0">
+              <a:solidFill>
+                <a:schemeClr val="tx1"/>
+              </a:solidFill>
+            </a:endParaRPr>
+          </a:p>
+        </p:txBody>
+      </p:sp>
+      <p:sp>
+        <p:nvSpPr>
+          <p:cNvPr id="20" name="Rectangle 19">
+            <a:extLst>
+              <a:ext uri="{FF2B5EF4-FFF2-40B4-BE49-F238E27FC236}">
+                <a16:creationId xmlns:a16="http://schemas.microsoft.com/office/drawing/2014/main" id="{027BF27E-2BA4-474B-8ADE-2113692F90B1}"/>
               </a:ext>
             </a:extLst>
           </p:cNvPr>
@@ -3764,12 +3715,13 @@
         </p:nvSpPr>
         <p:spPr>
           <a:xfrm>
-            <a:off x="4845657" y="3147225"/>
-            <a:ext cx="103367" cy="68581"/>
+            <a:off x="7640018" y="1613610"/>
+            <a:ext cx="169683" cy="160256"/>
           </a:xfrm>
           <a:prstGeom prst="rect">
             <a:avLst/>
           </a:prstGeom>
+          <a:noFill/>
         </p:spPr>
         <p:style>
           <a:lnRef idx="2">
@@ -3798,10 +3750,10 @@
       </p:sp>
       <p:sp>
         <p:nvSpPr>
-          <p:cNvPr id="17" name="Rectangle 16">
-            <a:extLst>
-              <a:ext uri="{FF2B5EF4-FFF2-40B4-BE49-F238E27FC236}">
-                <a16:creationId xmlns:a16="http://schemas.microsoft.com/office/drawing/2014/main" id="{A514F7EE-549A-4540-9B3D-B0FB09D28ACA}"/>
+          <p:cNvPr id="35" name="Rectangle 34">
+            <a:extLst>
+              <a:ext uri="{FF2B5EF4-FFF2-40B4-BE49-F238E27FC236}">
+                <a16:creationId xmlns:a16="http://schemas.microsoft.com/office/drawing/2014/main" id="{4D2BE0CB-58AC-426E-B1E1-E8EC5E9C34F7}"/>
               </a:ext>
             </a:extLst>
           </p:cNvPr>
@@ -3810,12 +3762,13 @@
         </p:nvSpPr>
         <p:spPr>
           <a:xfrm>
-            <a:off x="2608028" y="2506195"/>
-            <a:ext cx="103367" cy="68581"/>
+            <a:off x="9049013" y="1613610"/>
+            <a:ext cx="169683" cy="160256"/>
           </a:xfrm>
           <a:prstGeom prst="rect">
             <a:avLst/>
           </a:prstGeom>
+          <a:noFill/>
         </p:spPr>
         <p:style>
           <a:lnRef idx="2">
@@ -3842,25 +3795,213 @@
           </a:p>
         </p:txBody>
       </p:sp>
+      <p:sp>
+        <p:nvSpPr>
+          <p:cNvPr id="38" name="Rectangle 37">
+            <a:extLst>
+              <a:ext uri="{FF2B5EF4-FFF2-40B4-BE49-F238E27FC236}">
+                <a16:creationId xmlns:a16="http://schemas.microsoft.com/office/drawing/2014/main" id="{D11523E4-0B4A-40F8-AD07-3EAEA4C4F385}"/>
+              </a:ext>
+            </a:extLst>
+          </p:cNvPr>
+          <p:cNvSpPr/>
+          <p:nvPr/>
+        </p:nvSpPr>
+        <p:spPr>
+          <a:xfrm>
+            <a:off x="6903428" y="887266"/>
+            <a:ext cx="169683" cy="160256"/>
+          </a:xfrm>
+          <a:prstGeom prst="rect">
+            <a:avLst/>
+          </a:prstGeom>
+          <a:noFill/>
+        </p:spPr>
+        <p:style>
+          <a:lnRef idx="2">
+            <a:schemeClr val="accent1">
+              <a:shade val="50000"/>
+            </a:schemeClr>
+          </a:lnRef>
+          <a:fillRef idx="1">
+            <a:schemeClr val="accent1"/>
+          </a:fillRef>
+          <a:effectRef idx="0">
+            <a:schemeClr val="accent1"/>
+          </a:effectRef>
+          <a:fontRef idx="minor">
+            <a:schemeClr val="lt1"/>
+          </a:fontRef>
+        </p:style>
+        <p:txBody>
+          <a:bodyPr rtlCol="0" anchor="ctr"/>
+          <a:lstStyle/>
+          <a:p>
+            <a:pPr algn="ctr"/>
+            <a:endParaRPr lang="zh-CN" altLang="en-US" dirty="0"/>
+          </a:p>
+        </p:txBody>
+      </p:sp>
+      <p:sp>
+        <p:nvSpPr>
+          <p:cNvPr id="39" name="Rectangle 38">
+            <a:extLst>
+              <a:ext uri="{FF2B5EF4-FFF2-40B4-BE49-F238E27FC236}">
+                <a16:creationId xmlns:a16="http://schemas.microsoft.com/office/drawing/2014/main" id="{FF71296C-3B2F-46BB-9045-D08226A3D799}"/>
+              </a:ext>
+            </a:extLst>
+          </p:cNvPr>
+          <p:cNvSpPr/>
+          <p:nvPr/>
+        </p:nvSpPr>
+        <p:spPr>
+          <a:xfrm>
+            <a:off x="6903428" y="2283699"/>
+            <a:ext cx="169683" cy="160256"/>
+          </a:xfrm>
+          <a:prstGeom prst="rect">
+            <a:avLst/>
+          </a:prstGeom>
+          <a:noFill/>
+        </p:spPr>
+        <p:style>
+          <a:lnRef idx="2">
+            <a:schemeClr val="accent1">
+              <a:shade val="50000"/>
+            </a:schemeClr>
+          </a:lnRef>
+          <a:fillRef idx="1">
+            <a:schemeClr val="accent1"/>
+          </a:fillRef>
+          <a:effectRef idx="0">
+            <a:schemeClr val="accent1"/>
+          </a:effectRef>
+          <a:fontRef idx="minor">
+            <a:schemeClr val="lt1"/>
+          </a:fontRef>
+        </p:style>
+        <p:txBody>
+          <a:bodyPr rtlCol="0" anchor="ctr"/>
+          <a:lstStyle/>
+          <a:p>
+            <a:pPr algn="ctr"/>
+            <a:endParaRPr lang="zh-CN" altLang="en-US"/>
+          </a:p>
+        </p:txBody>
+      </p:sp>
+      <p:sp>
+        <p:nvSpPr>
+          <p:cNvPr id="40" name="Rectangle 39">
+            <a:extLst>
+              <a:ext uri="{FF2B5EF4-FFF2-40B4-BE49-F238E27FC236}">
+                <a16:creationId xmlns:a16="http://schemas.microsoft.com/office/drawing/2014/main" id="{6EA38ECD-0604-468B-99ED-1844DD5A620C}"/>
+              </a:ext>
+            </a:extLst>
+          </p:cNvPr>
+          <p:cNvSpPr/>
+          <p:nvPr/>
+        </p:nvSpPr>
+        <p:spPr>
+          <a:xfrm>
+            <a:off x="8327899" y="2283699"/>
+            <a:ext cx="169683" cy="160256"/>
+          </a:xfrm>
+          <a:prstGeom prst="rect">
+            <a:avLst/>
+          </a:prstGeom>
+          <a:noFill/>
+        </p:spPr>
+        <p:style>
+          <a:lnRef idx="2">
+            <a:schemeClr val="accent1">
+              <a:shade val="50000"/>
+            </a:schemeClr>
+          </a:lnRef>
+          <a:fillRef idx="1">
+            <a:schemeClr val="accent1"/>
+          </a:fillRef>
+          <a:effectRef idx="0">
+            <a:schemeClr val="accent1"/>
+          </a:effectRef>
+          <a:fontRef idx="minor">
+            <a:schemeClr val="lt1"/>
+          </a:fontRef>
+        </p:style>
+        <p:txBody>
+          <a:bodyPr rtlCol="0" anchor="ctr"/>
+          <a:lstStyle/>
+          <a:p>
+            <a:pPr algn="ctr"/>
+            <a:endParaRPr lang="zh-CN" altLang="en-US"/>
+          </a:p>
+        </p:txBody>
+      </p:sp>
+      <p:sp>
+        <p:nvSpPr>
+          <p:cNvPr id="41" name="Rectangle 40">
+            <a:extLst>
+              <a:ext uri="{FF2B5EF4-FFF2-40B4-BE49-F238E27FC236}">
+                <a16:creationId xmlns:a16="http://schemas.microsoft.com/office/drawing/2014/main" id="{0836E3D8-1A95-45ED-90A0-05E695292127}"/>
+              </a:ext>
+            </a:extLst>
+          </p:cNvPr>
+          <p:cNvSpPr/>
+          <p:nvPr/>
+        </p:nvSpPr>
+        <p:spPr>
+          <a:xfrm>
+            <a:off x="9749621" y="2283699"/>
+            <a:ext cx="169683" cy="160256"/>
+          </a:xfrm>
+          <a:prstGeom prst="rect">
+            <a:avLst/>
+          </a:prstGeom>
+          <a:noFill/>
+        </p:spPr>
+        <p:style>
+          <a:lnRef idx="2">
+            <a:schemeClr val="accent1">
+              <a:shade val="50000"/>
+            </a:schemeClr>
+          </a:lnRef>
+          <a:fillRef idx="1">
+            <a:schemeClr val="accent1"/>
+          </a:fillRef>
+          <a:effectRef idx="0">
+            <a:schemeClr val="accent1"/>
+          </a:effectRef>
+          <a:fontRef idx="minor">
+            <a:schemeClr val="lt1"/>
+          </a:fontRef>
+        </p:style>
+        <p:txBody>
+          <a:bodyPr rtlCol="0" anchor="ctr"/>
+          <a:lstStyle/>
+          <a:p>
+            <a:pPr algn="ctr"/>
+            <a:endParaRPr lang="zh-CN" altLang="en-US"/>
+          </a:p>
+        </p:txBody>
+      </p:sp>
       <p:cxnSp>
         <p:nvCxnSpPr>
-          <p:cNvPr id="19" name="Straight Connector 18">
-            <a:extLst>
-              <a:ext uri="{FF2B5EF4-FFF2-40B4-BE49-F238E27FC236}">
-                <a16:creationId xmlns:a16="http://schemas.microsoft.com/office/drawing/2014/main" id="{256E7DD0-9680-4156-BE5A-6ADBCBEFC5B6}"/>
+          <p:cNvPr id="42" name="Straight Connector 41">
+            <a:extLst>
+              <a:ext uri="{FF2B5EF4-FFF2-40B4-BE49-F238E27FC236}">
+                <a16:creationId xmlns:a16="http://schemas.microsoft.com/office/drawing/2014/main" id="{0CC3D171-328B-4626-894B-85E2A5B8747C}"/>
               </a:ext>
             </a:extLst>
           </p:cNvPr>
           <p:cNvCxnSpPr>
-            <a:stCxn id="4" idx="0"/>
-            <a:endCxn id="17" idx="1"/>
+            <a:stCxn id="38" idx="2"/>
+            <a:endCxn id="3" idx="0"/>
           </p:cNvCxnSpPr>
           <p:nvPr/>
         </p:nvCxnSpPr>
         <p:spPr>
-          <a:xfrm flipV="1">
-            <a:off x="2608028" y="2540486"/>
-            <a:ext cx="0" cy="393545"/>
+          <a:xfrm>
+            <a:off x="6988270" y="1047522"/>
+            <a:ext cx="1" cy="316582"/>
           </a:xfrm>
           <a:prstGeom prst="line">
             <a:avLst/>
@@ -3883,24 +4024,23 @@
       </p:cxnSp>
       <p:cxnSp>
         <p:nvCxnSpPr>
-          <p:cNvPr id="21" name="Straight Connector 20">
-            <a:extLst>
-              <a:ext uri="{FF2B5EF4-FFF2-40B4-BE49-F238E27FC236}">
-                <a16:creationId xmlns:a16="http://schemas.microsoft.com/office/drawing/2014/main" id="{6DC6F969-6832-4DF4-8F13-97D17FE86F4B}"/>
+          <p:cNvPr id="44" name="Straight Connector 43">
+            <a:extLst>
+              <a:ext uri="{FF2B5EF4-FFF2-40B4-BE49-F238E27FC236}">
+                <a16:creationId xmlns:a16="http://schemas.microsoft.com/office/drawing/2014/main" id="{993EE06F-5979-449B-BE98-5B39B9402014}"/>
               </a:ext>
             </a:extLst>
           </p:cNvPr>
           <p:cNvCxnSpPr>
-            <a:cxnSpLocks/>
-            <a:stCxn id="5" idx="0"/>
-            <a:endCxn id="26" idx="2"/>
+            <a:stCxn id="3" idx="6"/>
+            <a:endCxn id="20" idx="1"/>
           </p:cNvCxnSpPr>
           <p:nvPr/>
         </p:nvCxnSpPr>
         <p:spPr>
-          <a:xfrm flipV="1">
-            <a:off x="3523753" y="2574775"/>
-            <a:ext cx="0" cy="359256"/>
+          <a:xfrm>
+            <a:off x="7319506" y="1691534"/>
+            <a:ext cx="320512" cy="2204"/>
           </a:xfrm>
           <a:prstGeom prst="line">
             <a:avLst/>
@@ -3921,12 +4061,363 @@
           </a:fontRef>
         </p:style>
       </p:cxnSp>
-      <p:sp>
-        <p:nvSpPr>
-          <p:cNvPr id="27" name="TextBox 26">
-            <a:extLst>
-              <a:ext uri="{FF2B5EF4-FFF2-40B4-BE49-F238E27FC236}">
-                <a16:creationId xmlns:a16="http://schemas.microsoft.com/office/drawing/2014/main" id="{978BD9A5-106F-4D70-ADF4-77299DA20EB2}"/>
+      <p:cxnSp>
+        <p:nvCxnSpPr>
+          <p:cNvPr id="46" name="Straight Connector 45">
+            <a:extLst>
+              <a:ext uri="{FF2B5EF4-FFF2-40B4-BE49-F238E27FC236}">
+                <a16:creationId xmlns:a16="http://schemas.microsoft.com/office/drawing/2014/main" id="{0458C079-4F8E-4A91-B777-444EA350C618}"/>
+              </a:ext>
+            </a:extLst>
+          </p:cNvPr>
+          <p:cNvCxnSpPr>
+            <a:stCxn id="20" idx="3"/>
+            <a:endCxn id="23" idx="2"/>
+          </p:cNvCxnSpPr>
+          <p:nvPr/>
+        </p:nvCxnSpPr>
+        <p:spPr>
+          <a:xfrm flipV="1">
+            <a:off x="7809701" y="1691534"/>
+            <a:ext cx="271805" cy="2204"/>
+          </a:xfrm>
+          <a:prstGeom prst="line">
+            <a:avLst/>
+          </a:prstGeom>
+        </p:spPr>
+        <p:style>
+          <a:lnRef idx="1">
+            <a:schemeClr val="accent1"/>
+          </a:lnRef>
+          <a:fillRef idx="0">
+            <a:schemeClr val="accent1"/>
+          </a:fillRef>
+          <a:effectRef idx="0">
+            <a:schemeClr val="accent1"/>
+          </a:effectRef>
+          <a:fontRef idx="minor">
+            <a:schemeClr val="tx1"/>
+          </a:fontRef>
+        </p:style>
+      </p:cxnSp>
+      <p:cxnSp>
+        <p:nvCxnSpPr>
+          <p:cNvPr id="48" name="Straight Connector 47">
+            <a:extLst>
+              <a:ext uri="{FF2B5EF4-FFF2-40B4-BE49-F238E27FC236}">
+                <a16:creationId xmlns:a16="http://schemas.microsoft.com/office/drawing/2014/main" id="{6597A206-DB55-44BB-8A07-D6901F9CAF09}"/>
+              </a:ext>
+            </a:extLst>
+          </p:cNvPr>
+          <p:cNvCxnSpPr>
+            <a:stCxn id="23" idx="6"/>
+            <a:endCxn id="35" idx="1"/>
+          </p:cNvCxnSpPr>
+          <p:nvPr/>
+        </p:nvCxnSpPr>
+        <p:spPr>
+          <a:xfrm>
+            <a:off x="8743977" y="1691534"/>
+            <a:ext cx="305036" cy="2204"/>
+          </a:xfrm>
+          <a:prstGeom prst="line">
+            <a:avLst/>
+          </a:prstGeom>
+        </p:spPr>
+        <p:style>
+          <a:lnRef idx="1">
+            <a:schemeClr val="accent1"/>
+          </a:lnRef>
+          <a:fillRef idx="0">
+            <a:schemeClr val="accent1"/>
+          </a:fillRef>
+          <a:effectRef idx="0">
+            <a:schemeClr val="accent1"/>
+          </a:effectRef>
+          <a:fontRef idx="minor">
+            <a:schemeClr val="tx1"/>
+          </a:fontRef>
+        </p:style>
+      </p:cxnSp>
+      <p:cxnSp>
+        <p:nvCxnSpPr>
+          <p:cNvPr id="50" name="Straight Connector 49">
+            <a:extLst>
+              <a:ext uri="{FF2B5EF4-FFF2-40B4-BE49-F238E27FC236}">
+                <a16:creationId xmlns:a16="http://schemas.microsoft.com/office/drawing/2014/main" id="{6D9DF5DA-BC36-4B57-8822-AFC3D8860060}"/>
+              </a:ext>
+            </a:extLst>
+          </p:cNvPr>
+          <p:cNvCxnSpPr>
+            <a:stCxn id="35" idx="3"/>
+            <a:endCxn id="24" idx="2"/>
+          </p:cNvCxnSpPr>
+          <p:nvPr/>
+        </p:nvCxnSpPr>
+        <p:spPr>
+          <a:xfrm flipV="1">
+            <a:off x="9218696" y="1691534"/>
+            <a:ext cx="287281" cy="2204"/>
+          </a:xfrm>
+          <a:prstGeom prst="line">
+            <a:avLst/>
+          </a:prstGeom>
+        </p:spPr>
+        <p:style>
+          <a:lnRef idx="1">
+            <a:schemeClr val="accent1"/>
+          </a:lnRef>
+          <a:fillRef idx="0">
+            <a:schemeClr val="accent1"/>
+          </a:fillRef>
+          <a:effectRef idx="0">
+            <a:schemeClr val="accent1"/>
+          </a:effectRef>
+          <a:fontRef idx="minor">
+            <a:schemeClr val="tx1"/>
+          </a:fontRef>
+        </p:style>
+      </p:cxnSp>
+      <p:cxnSp>
+        <p:nvCxnSpPr>
+          <p:cNvPr id="52" name="Straight Connector 51">
+            <a:extLst>
+              <a:ext uri="{FF2B5EF4-FFF2-40B4-BE49-F238E27FC236}">
+                <a16:creationId xmlns:a16="http://schemas.microsoft.com/office/drawing/2014/main" id="{A2DBAF78-5A6D-4713-863B-2820DA8C59A8}"/>
+              </a:ext>
+            </a:extLst>
+          </p:cNvPr>
+          <p:cNvCxnSpPr>
+            <a:stCxn id="3" idx="4"/>
+            <a:endCxn id="39" idx="0"/>
+          </p:cNvCxnSpPr>
+          <p:nvPr/>
+        </p:nvCxnSpPr>
+        <p:spPr>
+          <a:xfrm flipH="1">
+            <a:off x="6988270" y="2018964"/>
+            <a:ext cx="1" cy="264735"/>
+          </a:xfrm>
+          <a:prstGeom prst="line">
+            <a:avLst/>
+          </a:prstGeom>
+        </p:spPr>
+        <p:style>
+          <a:lnRef idx="1">
+            <a:schemeClr val="accent1"/>
+          </a:lnRef>
+          <a:fillRef idx="0">
+            <a:schemeClr val="accent1"/>
+          </a:fillRef>
+          <a:effectRef idx="0">
+            <a:schemeClr val="accent1"/>
+          </a:effectRef>
+          <a:fontRef idx="minor">
+            <a:schemeClr val="tx1"/>
+          </a:fontRef>
+        </p:style>
+      </p:cxnSp>
+      <p:cxnSp>
+        <p:nvCxnSpPr>
+          <p:cNvPr id="54" name="Straight Connector 53">
+            <a:extLst>
+              <a:ext uri="{FF2B5EF4-FFF2-40B4-BE49-F238E27FC236}">
+                <a16:creationId xmlns:a16="http://schemas.microsoft.com/office/drawing/2014/main" id="{B1826CA1-3374-4CAE-A727-65279849E9E1}"/>
+              </a:ext>
+            </a:extLst>
+          </p:cNvPr>
+          <p:cNvCxnSpPr>
+            <a:stCxn id="39" idx="2"/>
+            <a:endCxn id="33" idx="0"/>
+          </p:cNvCxnSpPr>
+          <p:nvPr/>
+        </p:nvCxnSpPr>
+        <p:spPr>
+          <a:xfrm>
+            <a:off x="6988270" y="2443955"/>
+            <a:ext cx="1" cy="264736"/>
+          </a:xfrm>
+          <a:prstGeom prst="line">
+            <a:avLst/>
+          </a:prstGeom>
+        </p:spPr>
+        <p:style>
+          <a:lnRef idx="1">
+            <a:schemeClr val="accent1"/>
+          </a:lnRef>
+          <a:fillRef idx="0">
+            <a:schemeClr val="accent1"/>
+          </a:fillRef>
+          <a:effectRef idx="0">
+            <a:schemeClr val="accent1"/>
+          </a:effectRef>
+          <a:fontRef idx="minor">
+            <a:schemeClr val="tx1"/>
+          </a:fontRef>
+        </p:style>
+      </p:cxnSp>
+      <p:cxnSp>
+        <p:nvCxnSpPr>
+          <p:cNvPr id="56" name="Straight Connector 55">
+            <a:extLst>
+              <a:ext uri="{FF2B5EF4-FFF2-40B4-BE49-F238E27FC236}">
+                <a16:creationId xmlns:a16="http://schemas.microsoft.com/office/drawing/2014/main" id="{F990D253-E01E-4F49-BFE4-E6931F8648D6}"/>
+              </a:ext>
+            </a:extLst>
+          </p:cNvPr>
+          <p:cNvCxnSpPr>
+            <a:stCxn id="23" idx="4"/>
+            <a:endCxn id="40" idx="0"/>
+          </p:cNvCxnSpPr>
+          <p:nvPr/>
+        </p:nvCxnSpPr>
+        <p:spPr>
+          <a:xfrm flipH="1">
+            <a:off x="8412741" y="2018964"/>
+            <a:ext cx="1" cy="264735"/>
+          </a:xfrm>
+          <a:prstGeom prst="line">
+            <a:avLst/>
+          </a:prstGeom>
+        </p:spPr>
+        <p:style>
+          <a:lnRef idx="1">
+            <a:schemeClr val="accent1"/>
+          </a:lnRef>
+          <a:fillRef idx="0">
+            <a:schemeClr val="accent1"/>
+          </a:fillRef>
+          <a:effectRef idx="0">
+            <a:schemeClr val="accent1"/>
+          </a:effectRef>
+          <a:fontRef idx="minor">
+            <a:schemeClr val="tx1"/>
+          </a:fontRef>
+        </p:style>
+      </p:cxnSp>
+      <p:cxnSp>
+        <p:nvCxnSpPr>
+          <p:cNvPr id="58" name="Straight Connector 57">
+            <a:extLst>
+              <a:ext uri="{FF2B5EF4-FFF2-40B4-BE49-F238E27FC236}">
+                <a16:creationId xmlns:a16="http://schemas.microsoft.com/office/drawing/2014/main" id="{18E217E8-61F4-427F-99AC-7D00CCDAC3E4}"/>
+              </a:ext>
+            </a:extLst>
+          </p:cNvPr>
+          <p:cNvCxnSpPr>
+            <a:stCxn id="40" idx="2"/>
+            <a:endCxn id="28" idx="0"/>
+          </p:cNvCxnSpPr>
+          <p:nvPr/>
+        </p:nvCxnSpPr>
+        <p:spPr>
+          <a:xfrm>
+            <a:off x="8412741" y="2443955"/>
+            <a:ext cx="1" cy="264736"/>
+          </a:xfrm>
+          <a:prstGeom prst="line">
+            <a:avLst/>
+          </a:prstGeom>
+        </p:spPr>
+        <p:style>
+          <a:lnRef idx="1">
+            <a:schemeClr val="accent1"/>
+          </a:lnRef>
+          <a:fillRef idx="0">
+            <a:schemeClr val="accent1"/>
+          </a:fillRef>
+          <a:effectRef idx="0">
+            <a:schemeClr val="accent1"/>
+          </a:effectRef>
+          <a:fontRef idx="minor">
+            <a:schemeClr val="tx1"/>
+          </a:fontRef>
+        </p:style>
+      </p:cxnSp>
+      <p:cxnSp>
+        <p:nvCxnSpPr>
+          <p:cNvPr id="60" name="Straight Connector 59">
+            <a:extLst>
+              <a:ext uri="{FF2B5EF4-FFF2-40B4-BE49-F238E27FC236}">
+                <a16:creationId xmlns:a16="http://schemas.microsoft.com/office/drawing/2014/main" id="{1D6E332A-0F07-4679-B5FC-6AE48E8A7AED}"/>
+              </a:ext>
+            </a:extLst>
+          </p:cNvPr>
+          <p:cNvCxnSpPr>
+            <a:stCxn id="24" idx="4"/>
+            <a:endCxn id="41" idx="0"/>
+          </p:cNvCxnSpPr>
+          <p:nvPr/>
+        </p:nvCxnSpPr>
+        <p:spPr>
+          <a:xfrm flipH="1">
+            <a:off x="9834463" y="2018964"/>
+            <a:ext cx="2750" cy="264735"/>
+          </a:xfrm>
+          <a:prstGeom prst="line">
+            <a:avLst/>
+          </a:prstGeom>
+        </p:spPr>
+        <p:style>
+          <a:lnRef idx="1">
+            <a:schemeClr val="accent1"/>
+          </a:lnRef>
+          <a:fillRef idx="0">
+            <a:schemeClr val="accent1"/>
+          </a:fillRef>
+          <a:effectRef idx="0">
+            <a:schemeClr val="accent1"/>
+          </a:effectRef>
+          <a:fontRef idx="minor">
+            <a:schemeClr val="tx1"/>
+          </a:fontRef>
+        </p:style>
+      </p:cxnSp>
+      <p:cxnSp>
+        <p:nvCxnSpPr>
+          <p:cNvPr id="62" name="Straight Connector 61">
+            <a:extLst>
+              <a:ext uri="{FF2B5EF4-FFF2-40B4-BE49-F238E27FC236}">
+                <a16:creationId xmlns:a16="http://schemas.microsoft.com/office/drawing/2014/main" id="{1BECAA9E-9135-486B-9B8B-1CD30114612D}"/>
+              </a:ext>
+            </a:extLst>
+          </p:cNvPr>
+          <p:cNvCxnSpPr>
+            <a:stCxn id="41" idx="2"/>
+            <a:endCxn id="25" idx="0"/>
+          </p:cNvCxnSpPr>
+          <p:nvPr/>
+        </p:nvCxnSpPr>
+        <p:spPr>
+          <a:xfrm>
+            <a:off x="9834463" y="2443955"/>
+            <a:ext cx="2750" cy="264736"/>
+          </a:xfrm>
+          <a:prstGeom prst="line">
+            <a:avLst/>
+          </a:prstGeom>
+        </p:spPr>
+        <p:style>
+          <a:lnRef idx="1">
+            <a:schemeClr val="accent1"/>
+          </a:lnRef>
+          <a:fillRef idx="0">
+            <a:schemeClr val="accent1"/>
+          </a:fillRef>
+          <a:effectRef idx="0">
+            <a:schemeClr val="accent1"/>
+          </a:effectRef>
+          <a:fontRef idx="minor">
+            <a:schemeClr val="tx1"/>
+          </a:fontRef>
+        </p:style>
+      </p:cxnSp>
+      <p:sp>
+        <p:nvSpPr>
+          <p:cNvPr id="64" name="TextBox 63">
+            <a:extLst>
+              <a:ext uri="{FF2B5EF4-FFF2-40B4-BE49-F238E27FC236}">
+                <a16:creationId xmlns:a16="http://schemas.microsoft.com/office/drawing/2014/main" id="{670B91D2-D772-457F-8540-A590EF2AB10A}"/>
               </a:ext>
             </a:extLst>
           </p:cNvPr>
@@ -3935,8 +4426,8 @@
         </p:nvSpPr>
         <p:spPr>
           <a:xfrm>
-            <a:off x="2480302" y="2280578"/>
-            <a:ext cx="447558" cy="246221"/>
+            <a:off x="7111893" y="856110"/>
+            <a:ext cx="513282" cy="276999"/>
           </a:xfrm>
           <a:prstGeom prst="rect">
             <a:avLst/>
@@ -3950,23 +4441,19 @@
           <a:lstStyle/>
           <a:p>
             <a:r>
-              <a:rPr lang="el-GR" altLang="zh-CN" sz="1000" dirty="0"/>
-              <a:t>γ</a:t>
-            </a:r>
-            <a:r>
-              <a:rPr lang="en-US" altLang="zh-CN" sz="1000" dirty="0"/>
-              <a:t>(x1)</a:t>
-            </a:r>
-            <a:endParaRPr lang="zh-CN" altLang="en-US" sz="1000" dirty="0"/>
-          </a:p>
-        </p:txBody>
-      </p:sp>
-      <p:sp>
-        <p:nvSpPr>
-          <p:cNvPr id="30" name="TextBox 29">
-            <a:extLst>
-              <a:ext uri="{FF2B5EF4-FFF2-40B4-BE49-F238E27FC236}">
-                <a16:creationId xmlns:a16="http://schemas.microsoft.com/office/drawing/2014/main" id="{E7142148-7BE3-4044-9D7C-50F577C9DEF1}"/>
+              <a:rPr lang="en-US" altLang="zh-CN" sz="1200" dirty="0"/>
+              <a:t>p(c1)</a:t>
+            </a:r>
+            <a:endParaRPr lang="zh-CN" altLang="en-US" sz="1200" dirty="0"/>
+          </a:p>
+        </p:txBody>
+      </p:sp>
+      <p:sp>
+        <p:nvSpPr>
+          <p:cNvPr id="66" name="TextBox 65">
+            <a:extLst>
+              <a:ext uri="{FF2B5EF4-FFF2-40B4-BE49-F238E27FC236}">
+                <a16:creationId xmlns:a16="http://schemas.microsoft.com/office/drawing/2014/main" id="{A394D460-77D1-4B96-82E3-9181C7EE3C27}"/>
               </a:ext>
             </a:extLst>
           </p:cNvPr>
@@ -3975,8 +4462,8 @@
         </p:nvSpPr>
         <p:spPr>
           <a:xfrm>
-            <a:off x="2747063" y="3407134"/>
-            <a:ext cx="637654" cy="246221"/>
+            <a:off x="7042320" y="2162977"/>
+            <a:ext cx="718466" cy="276999"/>
           </a:xfrm>
           <a:prstGeom prst="rect">
             <a:avLst/>
@@ -3984,25 +4471,25 @@
           <a:noFill/>
         </p:spPr>
         <p:txBody>
-          <a:bodyPr wrap="square" rtlCol="0">
+          <a:bodyPr wrap="none" rtlCol="0">
             <a:spAutoFit/>
           </a:bodyPr>
           <a:lstStyle/>
           <a:p>
             <a:r>
-              <a:rPr lang="en-US" altLang="zh-CN" sz="1000" dirty="0"/>
-              <a:t>F1(x1,x2)</a:t>
-            </a:r>
-            <a:endParaRPr lang="zh-CN" altLang="en-US" sz="1000" dirty="0"/>
-          </a:p>
-        </p:txBody>
-      </p:sp>
-      <p:sp>
-        <p:nvSpPr>
-          <p:cNvPr id="31" name="TextBox 30">
-            <a:extLst>
-              <a:ext uri="{FF2B5EF4-FFF2-40B4-BE49-F238E27FC236}">
-                <a16:creationId xmlns:a16="http://schemas.microsoft.com/office/drawing/2014/main" id="{6C941F9E-9C56-4B87-A1BB-B20B6DEBBA2E}"/>
+              <a:rPr lang="en-US" altLang="zh-CN" sz="1200" dirty="0"/>
+              <a:t>p(d1|c1)</a:t>
+            </a:r>
+            <a:endParaRPr lang="zh-CN" altLang="en-US" sz="1200" dirty="0"/>
+          </a:p>
+        </p:txBody>
+      </p:sp>
+      <p:sp>
+        <p:nvSpPr>
+          <p:cNvPr id="67" name="TextBox 66">
+            <a:extLst>
+              <a:ext uri="{FF2B5EF4-FFF2-40B4-BE49-F238E27FC236}">
+                <a16:creationId xmlns:a16="http://schemas.microsoft.com/office/drawing/2014/main" id="{731200E9-BA72-4616-9AE1-A2087EB06EDD}"/>
               </a:ext>
             </a:extLst>
           </p:cNvPr>
@@ -4011,8 +4498,8 @@
         </p:nvSpPr>
         <p:spPr>
           <a:xfrm>
-            <a:off x="3619719" y="3393931"/>
-            <a:ext cx="637654" cy="246221"/>
+            <a:off x="8775362" y="1318355"/>
+            <a:ext cx="699230" cy="276999"/>
           </a:xfrm>
           <a:prstGeom prst="rect">
             <a:avLst/>
@@ -4020,25 +4507,25 @@
           <a:noFill/>
         </p:spPr>
         <p:txBody>
-          <a:bodyPr wrap="square" rtlCol="0">
+          <a:bodyPr wrap="none" rtlCol="0">
             <a:spAutoFit/>
           </a:bodyPr>
           <a:lstStyle/>
           <a:p>
             <a:r>
-              <a:rPr lang="en-US" altLang="zh-CN" sz="1000" dirty="0"/>
-              <a:t>F1(x2,x3)</a:t>
-            </a:r>
-            <a:endParaRPr lang="zh-CN" altLang="en-US" sz="1000" dirty="0"/>
-          </a:p>
-        </p:txBody>
-      </p:sp>
-      <p:sp>
-        <p:nvSpPr>
-          <p:cNvPr id="32" name="TextBox 31">
-            <a:extLst>
-              <a:ext uri="{FF2B5EF4-FFF2-40B4-BE49-F238E27FC236}">
-                <a16:creationId xmlns:a16="http://schemas.microsoft.com/office/drawing/2014/main" id="{51294F64-CA10-4AE1-94B4-19C19D659344}"/>
+              <a:rPr lang="en-US" altLang="zh-CN" sz="1200" dirty="0"/>
+              <a:t>p(c3|c2)</a:t>
+            </a:r>
+            <a:endParaRPr lang="zh-CN" altLang="en-US" sz="1200" dirty="0"/>
+          </a:p>
+        </p:txBody>
+      </p:sp>
+      <p:sp>
+        <p:nvSpPr>
+          <p:cNvPr id="68" name="TextBox 67">
+            <a:extLst>
+              <a:ext uri="{FF2B5EF4-FFF2-40B4-BE49-F238E27FC236}">
+                <a16:creationId xmlns:a16="http://schemas.microsoft.com/office/drawing/2014/main" id="{A94528E6-BAF2-47B4-B1EA-D23C9B6D61DA}"/>
               </a:ext>
             </a:extLst>
           </p:cNvPr>
@@ -4047,8 +4534,8 @@
         </p:nvSpPr>
         <p:spPr>
           <a:xfrm>
-            <a:off x="4554800" y="3390356"/>
-            <a:ext cx="637654" cy="246221"/>
+            <a:off x="7413386" y="1336377"/>
+            <a:ext cx="699230" cy="276999"/>
           </a:xfrm>
           <a:prstGeom prst="rect">
             <a:avLst/>
@@ -4056,39 +4543,112 @@
           <a:noFill/>
         </p:spPr>
         <p:txBody>
-          <a:bodyPr wrap="square" rtlCol="0">
+          <a:bodyPr wrap="none" rtlCol="0">
             <a:spAutoFit/>
           </a:bodyPr>
           <a:lstStyle/>
           <a:p>
             <a:r>
-              <a:rPr lang="en-US" altLang="zh-CN" sz="1000" dirty="0"/>
-              <a:t>F1(x3,x4)</a:t>
-            </a:r>
-            <a:endParaRPr lang="zh-CN" altLang="en-US" sz="1000" dirty="0"/>
-          </a:p>
-        </p:txBody>
-      </p:sp>
-      <p:sp>
-        <p:nvSpPr>
-          <p:cNvPr id="26" name="Rectangle 25">
-            <a:extLst>
-              <a:ext uri="{FF2B5EF4-FFF2-40B4-BE49-F238E27FC236}">
-                <a16:creationId xmlns:a16="http://schemas.microsoft.com/office/drawing/2014/main" id="{7AE4E9D7-D1AF-437E-834E-60D38424DF46}"/>
-              </a:ext>
-            </a:extLst>
-          </p:cNvPr>
-          <p:cNvSpPr/>
+              <a:rPr lang="en-US" altLang="zh-CN" sz="1200" dirty="0"/>
+              <a:t>p(c2|c1)</a:t>
+            </a:r>
+            <a:endParaRPr lang="zh-CN" altLang="en-US" sz="1200" dirty="0"/>
+          </a:p>
+        </p:txBody>
+      </p:sp>
+      <p:sp>
+        <p:nvSpPr>
+          <p:cNvPr id="69" name="TextBox 68">
+            <a:extLst>
+              <a:ext uri="{FF2B5EF4-FFF2-40B4-BE49-F238E27FC236}">
+                <a16:creationId xmlns:a16="http://schemas.microsoft.com/office/drawing/2014/main" id="{0060061D-B79E-47AD-B57B-9CF41FF5DF34}"/>
+              </a:ext>
+            </a:extLst>
+          </p:cNvPr>
+          <p:cNvSpPr txBox="1"/>
           <p:nvPr/>
         </p:nvSpPr>
         <p:spPr>
           <a:xfrm>
-            <a:off x="3472069" y="2506194"/>
-            <a:ext cx="103367" cy="68581"/>
+            <a:off x="8491744" y="2186594"/>
+            <a:ext cx="718466" cy="276999"/>
           </a:xfrm>
           <a:prstGeom prst="rect">
             <a:avLst/>
           </a:prstGeom>
+          <a:noFill/>
+        </p:spPr>
+        <p:txBody>
+          <a:bodyPr wrap="none" rtlCol="0">
+            <a:spAutoFit/>
+          </a:bodyPr>
+          <a:lstStyle/>
+          <a:p>
+            <a:r>
+              <a:rPr lang="en-US" altLang="zh-CN" sz="1200" dirty="0"/>
+              <a:t>p(d2|c2)</a:t>
+            </a:r>
+            <a:endParaRPr lang="zh-CN" altLang="en-US" sz="1200" dirty="0"/>
+          </a:p>
+        </p:txBody>
+      </p:sp>
+      <p:sp>
+        <p:nvSpPr>
+          <p:cNvPr id="70" name="TextBox 69">
+            <a:extLst>
+              <a:ext uri="{FF2B5EF4-FFF2-40B4-BE49-F238E27FC236}">
+                <a16:creationId xmlns:a16="http://schemas.microsoft.com/office/drawing/2014/main" id="{87B95FE0-CF14-4BB1-86C7-4F260D1BB3DE}"/>
+              </a:ext>
+            </a:extLst>
+          </p:cNvPr>
+          <p:cNvSpPr txBox="1"/>
+          <p:nvPr/>
+        </p:nvSpPr>
+        <p:spPr>
+          <a:xfrm>
+            <a:off x="9928503" y="2214038"/>
+            <a:ext cx="718466" cy="276999"/>
+          </a:xfrm>
+          <a:prstGeom prst="rect">
+            <a:avLst/>
+          </a:prstGeom>
+          <a:noFill/>
+        </p:spPr>
+        <p:txBody>
+          <a:bodyPr wrap="none" rtlCol="0">
+            <a:spAutoFit/>
+          </a:bodyPr>
+          <a:lstStyle/>
+          <a:p>
+            <a:r>
+              <a:rPr lang="en-US" altLang="zh-CN" sz="1200" dirty="0"/>
+              <a:t>p(d3|c3)</a:t>
+            </a:r>
+            <a:endParaRPr lang="zh-CN" altLang="en-US" sz="1200" dirty="0"/>
+          </a:p>
+        </p:txBody>
+      </p:sp>
+      <p:sp>
+        <p:nvSpPr>
+          <p:cNvPr id="101" name="Oval 100">
+            <a:extLst>
+              <a:ext uri="{FF2B5EF4-FFF2-40B4-BE49-F238E27FC236}">
+                <a16:creationId xmlns:a16="http://schemas.microsoft.com/office/drawing/2014/main" id="{64BB0930-7FB9-42A6-B033-29EA17B06944}"/>
+              </a:ext>
+            </a:extLst>
+          </p:cNvPr>
+          <p:cNvSpPr/>
+          <p:nvPr/>
+        </p:nvSpPr>
+        <p:spPr>
+          <a:xfrm>
+            <a:off x="2102900" y="1345547"/>
+            <a:ext cx="662471" cy="654860"/>
+          </a:xfrm>
+          <a:prstGeom prst="ellipse">
+            <a:avLst/>
+          </a:prstGeom>
+          <a:noFill/>
         </p:spPr>
         <p:style>
           <a:lnRef idx="2">
@@ -4111,16 +4671,533 @@
           <a:lstStyle/>
           <a:p>
             <a:pPr algn="ctr"/>
-            <a:endParaRPr lang="zh-CN" altLang="en-US"/>
-          </a:p>
-        </p:txBody>
-      </p:sp>
-      <p:sp>
-        <p:nvSpPr>
-          <p:cNvPr id="29" name="TextBox 28">
-            <a:extLst>
-              <a:ext uri="{FF2B5EF4-FFF2-40B4-BE49-F238E27FC236}">
-                <a16:creationId xmlns:a16="http://schemas.microsoft.com/office/drawing/2014/main" id="{B2E8A059-E218-421C-A6AC-3F6A9F32BB12}"/>
+            <a:r>
+              <a:rPr lang="en-US" altLang="zh-CN" dirty="0">
+                <a:solidFill>
+                  <a:schemeClr val="tx1"/>
+                </a:solidFill>
+              </a:rPr>
+              <a:t>C1</a:t>
+            </a:r>
+            <a:endParaRPr lang="zh-CN" altLang="en-US" dirty="0">
+              <a:solidFill>
+                <a:schemeClr val="tx1"/>
+              </a:solidFill>
+            </a:endParaRPr>
+          </a:p>
+        </p:txBody>
+      </p:sp>
+      <p:sp>
+        <p:nvSpPr>
+          <p:cNvPr id="102" name="Oval 101">
+            <a:extLst>
+              <a:ext uri="{FF2B5EF4-FFF2-40B4-BE49-F238E27FC236}">
+                <a16:creationId xmlns:a16="http://schemas.microsoft.com/office/drawing/2014/main" id="{9B15DE0A-BE7B-462F-A78A-328998EC7981}"/>
+              </a:ext>
+            </a:extLst>
+          </p:cNvPr>
+          <p:cNvSpPr/>
+          <p:nvPr/>
+        </p:nvSpPr>
+        <p:spPr>
+          <a:xfrm>
+            <a:off x="3527371" y="1345547"/>
+            <a:ext cx="662471" cy="654860"/>
+          </a:xfrm>
+          <a:prstGeom prst="ellipse">
+            <a:avLst/>
+          </a:prstGeom>
+          <a:noFill/>
+        </p:spPr>
+        <p:style>
+          <a:lnRef idx="2">
+            <a:schemeClr val="accent1">
+              <a:shade val="50000"/>
+            </a:schemeClr>
+          </a:lnRef>
+          <a:fillRef idx="1">
+            <a:schemeClr val="accent1"/>
+          </a:fillRef>
+          <a:effectRef idx="0">
+            <a:schemeClr val="accent1"/>
+          </a:effectRef>
+          <a:fontRef idx="minor">
+            <a:schemeClr val="lt1"/>
+          </a:fontRef>
+        </p:style>
+        <p:txBody>
+          <a:bodyPr rtlCol="0" anchor="ctr"/>
+          <a:lstStyle/>
+          <a:p>
+            <a:pPr algn="ctr"/>
+            <a:r>
+              <a:rPr lang="en-US" altLang="zh-CN" dirty="0">
+                <a:solidFill>
+                  <a:schemeClr val="tx1"/>
+                </a:solidFill>
+              </a:rPr>
+              <a:t>C2</a:t>
+            </a:r>
+            <a:endParaRPr lang="zh-CN" altLang="en-US" dirty="0">
+              <a:solidFill>
+                <a:schemeClr val="tx1"/>
+              </a:solidFill>
+            </a:endParaRPr>
+          </a:p>
+        </p:txBody>
+      </p:sp>
+      <p:sp>
+        <p:nvSpPr>
+          <p:cNvPr id="103" name="Oval 102">
+            <a:extLst>
+              <a:ext uri="{FF2B5EF4-FFF2-40B4-BE49-F238E27FC236}">
+                <a16:creationId xmlns:a16="http://schemas.microsoft.com/office/drawing/2014/main" id="{D7DC8A6B-F16E-423A-8024-82F1FFAD9CA7}"/>
+              </a:ext>
+            </a:extLst>
+          </p:cNvPr>
+          <p:cNvSpPr/>
+          <p:nvPr/>
+        </p:nvSpPr>
+        <p:spPr>
+          <a:xfrm>
+            <a:off x="4951842" y="1345547"/>
+            <a:ext cx="662471" cy="654860"/>
+          </a:xfrm>
+          <a:prstGeom prst="ellipse">
+            <a:avLst/>
+          </a:prstGeom>
+          <a:noFill/>
+        </p:spPr>
+        <p:style>
+          <a:lnRef idx="2">
+            <a:schemeClr val="accent1">
+              <a:shade val="50000"/>
+            </a:schemeClr>
+          </a:lnRef>
+          <a:fillRef idx="1">
+            <a:schemeClr val="accent1"/>
+          </a:fillRef>
+          <a:effectRef idx="0">
+            <a:schemeClr val="accent1"/>
+          </a:effectRef>
+          <a:fontRef idx="minor">
+            <a:schemeClr val="lt1"/>
+          </a:fontRef>
+        </p:style>
+        <p:txBody>
+          <a:bodyPr rtlCol="0" anchor="ctr"/>
+          <a:lstStyle/>
+          <a:p>
+            <a:pPr algn="ctr"/>
+            <a:r>
+              <a:rPr lang="en-US" altLang="zh-CN" dirty="0">
+                <a:solidFill>
+                  <a:schemeClr val="tx1"/>
+                </a:solidFill>
+              </a:rPr>
+              <a:t>C3</a:t>
+            </a:r>
+            <a:endParaRPr lang="zh-CN" altLang="en-US" dirty="0">
+              <a:solidFill>
+                <a:schemeClr val="tx1"/>
+              </a:solidFill>
+            </a:endParaRPr>
+          </a:p>
+        </p:txBody>
+      </p:sp>
+      <p:sp>
+        <p:nvSpPr>
+          <p:cNvPr id="104" name="Oval 103">
+            <a:extLst>
+              <a:ext uri="{FF2B5EF4-FFF2-40B4-BE49-F238E27FC236}">
+                <a16:creationId xmlns:a16="http://schemas.microsoft.com/office/drawing/2014/main" id="{3C729646-E9EA-47CD-8EC7-43D661340072}"/>
+              </a:ext>
+            </a:extLst>
+          </p:cNvPr>
+          <p:cNvSpPr/>
+          <p:nvPr/>
+        </p:nvSpPr>
+        <p:spPr>
+          <a:xfrm>
+            <a:off x="4951842" y="2690134"/>
+            <a:ext cx="662471" cy="654860"/>
+          </a:xfrm>
+          <a:prstGeom prst="ellipse">
+            <a:avLst/>
+          </a:prstGeom>
+          <a:noFill/>
+        </p:spPr>
+        <p:style>
+          <a:lnRef idx="2">
+            <a:schemeClr val="accent1">
+              <a:shade val="50000"/>
+            </a:schemeClr>
+          </a:lnRef>
+          <a:fillRef idx="1">
+            <a:schemeClr val="accent1"/>
+          </a:fillRef>
+          <a:effectRef idx="0">
+            <a:schemeClr val="accent1"/>
+          </a:effectRef>
+          <a:fontRef idx="minor">
+            <a:schemeClr val="lt1"/>
+          </a:fontRef>
+        </p:style>
+        <p:txBody>
+          <a:bodyPr rtlCol="0" anchor="ctr"/>
+          <a:lstStyle/>
+          <a:p>
+            <a:pPr algn="ctr"/>
+            <a:r>
+              <a:rPr lang="en-US" altLang="zh-CN" dirty="0">
+                <a:solidFill>
+                  <a:schemeClr val="tx1"/>
+                </a:solidFill>
+              </a:rPr>
+              <a:t>D3</a:t>
+            </a:r>
+            <a:endParaRPr lang="zh-CN" altLang="en-US" dirty="0">
+              <a:solidFill>
+                <a:schemeClr val="tx1"/>
+              </a:solidFill>
+            </a:endParaRPr>
+          </a:p>
+        </p:txBody>
+      </p:sp>
+      <p:sp>
+        <p:nvSpPr>
+          <p:cNvPr id="105" name="Oval 104">
+            <a:extLst>
+              <a:ext uri="{FF2B5EF4-FFF2-40B4-BE49-F238E27FC236}">
+                <a16:creationId xmlns:a16="http://schemas.microsoft.com/office/drawing/2014/main" id="{81162F01-A757-4773-AEED-5EFE280166E0}"/>
+              </a:ext>
+            </a:extLst>
+          </p:cNvPr>
+          <p:cNvSpPr/>
+          <p:nvPr/>
+        </p:nvSpPr>
+        <p:spPr>
+          <a:xfrm>
+            <a:off x="3527371" y="2690134"/>
+            <a:ext cx="662471" cy="654860"/>
+          </a:xfrm>
+          <a:prstGeom prst="ellipse">
+            <a:avLst/>
+          </a:prstGeom>
+          <a:noFill/>
+        </p:spPr>
+        <p:style>
+          <a:lnRef idx="2">
+            <a:schemeClr val="accent1">
+              <a:shade val="50000"/>
+            </a:schemeClr>
+          </a:lnRef>
+          <a:fillRef idx="1">
+            <a:schemeClr val="accent1"/>
+          </a:fillRef>
+          <a:effectRef idx="0">
+            <a:schemeClr val="accent1"/>
+          </a:effectRef>
+          <a:fontRef idx="minor">
+            <a:schemeClr val="lt1"/>
+          </a:fontRef>
+        </p:style>
+        <p:txBody>
+          <a:bodyPr rtlCol="0" anchor="ctr"/>
+          <a:lstStyle/>
+          <a:p>
+            <a:pPr algn="ctr"/>
+            <a:r>
+              <a:rPr lang="en-US" altLang="zh-CN" dirty="0">
+                <a:solidFill>
+                  <a:schemeClr val="tx1"/>
+                </a:solidFill>
+              </a:rPr>
+              <a:t>D2</a:t>
+            </a:r>
+            <a:endParaRPr lang="zh-CN" altLang="en-US" dirty="0">
+              <a:solidFill>
+                <a:schemeClr val="tx1"/>
+              </a:solidFill>
+            </a:endParaRPr>
+          </a:p>
+        </p:txBody>
+      </p:sp>
+      <p:sp>
+        <p:nvSpPr>
+          <p:cNvPr id="106" name="Oval 105">
+            <a:extLst>
+              <a:ext uri="{FF2B5EF4-FFF2-40B4-BE49-F238E27FC236}">
+                <a16:creationId xmlns:a16="http://schemas.microsoft.com/office/drawing/2014/main" id="{362FBB76-8FEB-4647-A14D-A3BD5F3A2C9C}"/>
+              </a:ext>
+            </a:extLst>
+          </p:cNvPr>
+          <p:cNvSpPr/>
+          <p:nvPr/>
+        </p:nvSpPr>
+        <p:spPr>
+          <a:xfrm>
+            <a:off x="2102900" y="2690134"/>
+            <a:ext cx="662471" cy="654860"/>
+          </a:xfrm>
+          <a:prstGeom prst="ellipse">
+            <a:avLst/>
+          </a:prstGeom>
+          <a:noFill/>
+        </p:spPr>
+        <p:style>
+          <a:lnRef idx="2">
+            <a:schemeClr val="accent1">
+              <a:shade val="50000"/>
+            </a:schemeClr>
+          </a:lnRef>
+          <a:fillRef idx="1">
+            <a:schemeClr val="accent1"/>
+          </a:fillRef>
+          <a:effectRef idx="0">
+            <a:schemeClr val="accent1"/>
+          </a:effectRef>
+          <a:fontRef idx="minor">
+            <a:schemeClr val="lt1"/>
+          </a:fontRef>
+        </p:style>
+        <p:txBody>
+          <a:bodyPr rtlCol="0" anchor="ctr"/>
+          <a:lstStyle/>
+          <a:p>
+            <a:pPr algn="ctr"/>
+            <a:r>
+              <a:rPr lang="en-US" altLang="zh-CN" dirty="0">
+                <a:solidFill>
+                  <a:schemeClr val="tx1"/>
+                </a:solidFill>
+              </a:rPr>
+              <a:t>D1</a:t>
+            </a:r>
+            <a:endParaRPr lang="zh-CN" altLang="en-US" dirty="0">
+              <a:solidFill>
+                <a:schemeClr val="tx1"/>
+              </a:solidFill>
+            </a:endParaRPr>
+          </a:p>
+        </p:txBody>
+      </p:sp>
+      <p:cxnSp>
+        <p:nvCxnSpPr>
+          <p:cNvPr id="131" name="Straight Arrow Connector 130">
+            <a:extLst>
+              <a:ext uri="{FF2B5EF4-FFF2-40B4-BE49-F238E27FC236}">
+                <a16:creationId xmlns:a16="http://schemas.microsoft.com/office/drawing/2014/main" id="{87464CE2-2A3A-44DD-9077-8BEA2ABDED37}"/>
+              </a:ext>
+            </a:extLst>
+          </p:cNvPr>
+          <p:cNvCxnSpPr>
+            <a:stCxn id="101" idx="6"/>
+            <a:endCxn id="102" idx="2"/>
+          </p:cNvCxnSpPr>
+          <p:nvPr/>
+        </p:nvCxnSpPr>
+        <p:spPr>
+          <a:xfrm>
+            <a:off x="2765371" y="1672977"/>
+            <a:ext cx="762000" cy="0"/>
+          </a:xfrm>
+          <a:prstGeom prst="straightConnector1">
+            <a:avLst/>
+          </a:prstGeom>
+          <a:ln>
+            <a:tailEnd type="triangle"/>
+          </a:ln>
+        </p:spPr>
+        <p:style>
+          <a:lnRef idx="1">
+            <a:schemeClr val="accent1"/>
+          </a:lnRef>
+          <a:fillRef idx="0">
+            <a:schemeClr val="accent1"/>
+          </a:fillRef>
+          <a:effectRef idx="0">
+            <a:schemeClr val="accent1"/>
+          </a:effectRef>
+          <a:fontRef idx="minor">
+            <a:schemeClr val="tx1"/>
+          </a:fontRef>
+        </p:style>
+      </p:cxnSp>
+      <p:cxnSp>
+        <p:nvCxnSpPr>
+          <p:cNvPr id="133" name="Straight Arrow Connector 132">
+            <a:extLst>
+              <a:ext uri="{FF2B5EF4-FFF2-40B4-BE49-F238E27FC236}">
+                <a16:creationId xmlns:a16="http://schemas.microsoft.com/office/drawing/2014/main" id="{B33B830B-2602-4AF6-98D4-E463A31BAB57}"/>
+              </a:ext>
+            </a:extLst>
+          </p:cNvPr>
+          <p:cNvCxnSpPr>
+            <a:stCxn id="102" idx="6"/>
+            <a:endCxn id="103" idx="2"/>
+          </p:cNvCxnSpPr>
+          <p:nvPr/>
+        </p:nvCxnSpPr>
+        <p:spPr>
+          <a:xfrm>
+            <a:off x="4189842" y="1672977"/>
+            <a:ext cx="762000" cy="0"/>
+          </a:xfrm>
+          <a:prstGeom prst="straightConnector1">
+            <a:avLst/>
+          </a:prstGeom>
+          <a:ln>
+            <a:tailEnd type="triangle"/>
+          </a:ln>
+        </p:spPr>
+        <p:style>
+          <a:lnRef idx="1">
+            <a:schemeClr val="accent1"/>
+          </a:lnRef>
+          <a:fillRef idx="0">
+            <a:schemeClr val="accent1"/>
+          </a:fillRef>
+          <a:effectRef idx="0">
+            <a:schemeClr val="accent1"/>
+          </a:effectRef>
+          <a:fontRef idx="minor">
+            <a:schemeClr val="tx1"/>
+          </a:fontRef>
+        </p:style>
+      </p:cxnSp>
+      <p:cxnSp>
+        <p:nvCxnSpPr>
+          <p:cNvPr id="135" name="Straight Arrow Connector 134">
+            <a:extLst>
+              <a:ext uri="{FF2B5EF4-FFF2-40B4-BE49-F238E27FC236}">
+                <a16:creationId xmlns:a16="http://schemas.microsoft.com/office/drawing/2014/main" id="{B3CEA2B2-E36D-40AF-AF52-4108FE3C6871}"/>
+              </a:ext>
+            </a:extLst>
+          </p:cNvPr>
+          <p:cNvCxnSpPr>
+            <a:stCxn id="101" idx="4"/>
+            <a:endCxn id="106" idx="0"/>
+          </p:cNvCxnSpPr>
+          <p:nvPr/>
+        </p:nvCxnSpPr>
+        <p:spPr>
+          <a:xfrm>
+            <a:off x="2434136" y="2000407"/>
+            <a:ext cx="0" cy="689727"/>
+          </a:xfrm>
+          <a:prstGeom prst="straightConnector1">
+            <a:avLst/>
+          </a:prstGeom>
+          <a:ln>
+            <a:tailEnd type="triangle"/>
+          </a:ln>
+        </p:spPr>
+        <p:style>
+          <a:lnRef idx="1">
+            <a:schemeClr val="accent1"/>
+          </a:lnRef>
+          <a:fillRef idx="0">
+            <a:schemeClr val="accent1"/>
+          </a:fillRef>
+          <a:effectRef idx="0">
+            <a:schemeClr val="accent1"/>
+          </a:effectRef>
+          <a:fontRef idx="minor">
+            <a:schemeClr val="tx1"/>
+          </a:fontRef>
+        </p:style>
+      </p:cxnSp>
+      <p:cxnSp>
+        <p:nvCxnSpPr>
+          <p:cNvPr id="137" name="Straight Arrow Connector 136">
+            <a:extLst>
+              <a:ext uri="{FF2B5EF4-FFF2-40B4-BE49-F238E27FC236}">
+                <a16:creationId xmlns:a16="http://schemas.microsoft.com/office/drawing/2014/main" id="{83224566-B67A-43FB-B896-B04A6564249F}"/>
+              </a:ext>
+            </a:extLst>
+          </p:cNvPr>
+          <p:cNvCxnSpPr>
+            <a:stCxn id="102" idx="4"/>
+            <a:endCxn id="105" idx="0"/>
+          </p:cNvCxnSpPr>
+          <p:nvPr/>
+        </p:nvCxnSpPr>
+        <p:spPr>
+          <a:xfrm>
+            <a:off x="3858607" y="2000407"/>
+            <a:ext cx="0" cy="689727"/>
+          </a:xfrm>
+          <a:prstGeom prst="straightConnector1">
+            <a:avLst/>
+          </a:prstGeom>
+          <a:ln>
+            <a:tailEnd type="triangle"/>
+          </a:ln>
+        </p:spPr>
+        <p:style>
+          <a:lnRef idx="1">
+            <a:schemeClr val="accent1"/>
+          </a:lnRef>
+          <a:fillRef idx="0">
+            <a:schemeClr val="accent1"/>
+          </a:fillRef>
+          <a:effectRef idx="0">
+            <a:schemeClr val="accent1"/>
+          </a:effectRef>
+          <a:fontRef idx="minor">
+            <a:schemeClr val="tx1"/>
+          </a:fontRef>
+        </p:style>
+      </p:cxnSp>
+      <p:cxnSp>
+        <p:nvCxnSpPr>
+          <p:cNvPr id="139" name="Straight Arrow Connector 138">
+            <a:extLst>
+              <a:ext uri="{FF2B5EF4-FFF2-40B4-BE49-F238E27FC236}">
+                <a16:creationId xmlns:a16="http://schemas.microsoft.com/office/drawing/2014/main" id="{89086280-4256-4CB4-AFA1-BE192BC92FAE}"/>
+              </a:ext>
+            </a:extLst>
+          </p:cNvPr>
+          <p:cNvCxnSpPr>
+            <a:stCxn id="103" idx="4"/>
+            <a:endCxn id="104" idx="0"/>
+          </p:cNvCxnSpPr>
+          <p:nvPr/>
+        </p:nvCxnSpPr>
+        <p:spPr>
+          <a:xfrm>
+            <a:off x="5283078" y="2000407"/>
+            <a:ext cx="0" cy="689727"/>
+          </a:xfrm>
+          <a:prstGeom prst="straightConnector1">
+            <a:avLst/>
+          </a:prstGeom>
+          <a:ln>
+            <a:tailEnd type="triangle"/>
+          </a:ln>
+        </p:spPr>
+        <p:style>
+          <a:lnRef idx="1">
+            <a:schemeClr val="accent1"/>
+          </a:lnRef>
+          <a:fillRef idx="0">
+            <a:schemeClr val="accent1"/>
+          </a:fillRef>
+          <a:effectRef idx="0">
+            <a:schemeClr val="accent1"/>
+          </a:effectRef>
+          <a:fontRef idx="minor">
+            <a:schemeClr val="tx1"/>
+          </a:fontRef>
+        </p:style>
+      </p:cxnSp>
+      <p:sp>
+        <p:nvSpPr>
+          <p:cNvPr id="141" name="TextBox 140">
+            <a:extLst>
+              <a:ext uri="{FF2B5EF4-FFF2-40B4-BE49-F238E27FC236}">
+                <a16:creationId xmlns:a16="http://schemas.microsoft.com/office/drawing/2014/main" id="{F58431BD-A1F8-4124-AD39-FBD68AD1A534}"/>
               </a:ext>
             </a:extLst>
           </p:cNvPr>
@@ -4129,8 +5206,8 @@
         </p:nvSpPr>
         <p:spPr>
           <a:xfrm>
-            <a:off x="3351657" y="2293632"/>
-            <a:ext cx="447558" cy="246221"/>
+            <a:off x="3107255" y="3434266"/>
+            <a:ext cx="1502701" cy="369332"/>
           </a:xfrm>
           <a:prstGeom prst="rect">
             <a:avLst/>
@@ -4138,20 +5215,52 @@
           <a:noFill/>
         </p:spPr>
         <p:txBody>
-          <a:bodyPr wrap="none" rtlCol="0">
+          <a:bodyPr wrap="square" rtlCol="0">
             <a:spAutoFit/>
           </a:bodyPr>
           <a:lstStyle/>
           <a:p>
             <a:r>
-              <a:rPr lang="el-GR" altLang="zh-CN" sz="1000" dirty="0"/>
-              <a:t>γ</a:t>
-            </a:r>
-            <a:r>
-              <a:rPr lang="en-US" altLang="zh-CN" sz="1000" dirty="0"/>
-              <a:t>(x2)</a:t>
-            </a:r>
-            <a:endParaRPr lang="zh-CN" altLang="en-US" sz="1000" dirty="0"/>
+              <a:rPr lang="en-US" altLang="zh-CN" dirty="0"/>
+              <a:t>Bayesian Net</a:t>
+            </a:r>
+            <a:endParaRPr lang="zh-CN" altLang="en-US" dirty="0"/>
+          </a:p>
+        </p:txBody>
+      </p:sp>
+      <p:sp>
+        <p:nvSpPr>
+          <p:cNvPr id="171" name="TextBox 170">
+            <a:extLst>
+              <a:ext uri="{FF2B5EF4-FFF2-40B4-BE49-F238E27FC236}">
+                <a16:creationId xmlns:a16="http://schemas.microsoft.com/office/drawing/2014/main" id="{54C57E4C-AD41-4E4B-915F-14C036B3B46B}"/>
+              </a:ext>
+            </a:extLst>
+          </p:cNvPr>
+          <p:cNvSpPr txBox="1"/>
+          <p:nvPr/>
+        </p:nvSpPr>
+        <p:spPr>
+          <a:xfrm>
+            <a:off x="7673615" y="3462487"/>
+            <a:ext cx="1502701" cy="369332"/>
+          </a:xfrm>
+          <a:prstGeom prst="rect">
+            <a:avLst/>
+          </a:prstGeom>
+          <a:noFill/>
+        </p:spPr>
+        <p:txBody>
+          <a:bodyPr wrap="square" rtlCol="0">
+            <a:spAutoFit/>
+          </a:bodyPr>
+          <a:lstStyle/>
+          <a:p>
+            <a:r>
+              <a:rPr lang="en-US" altLang="zh-CN" dirty="0"/>
+              <a:t>Factor Graph</a:t>
+            </a:r>
+            <a:endParaRPr lang="zh-CN" altLang="en-US" dirty="0"/>
           </a:p>
         </p:txBody>
       </p:sp>
